--- a/examples/output/training_course.pptx
+++ b/examples/output/training_course.pptx
@@ -119,7 +119,7 @@
           <a:lstStyle/>
           <a:p>
             <a:r>
-              <a:rPr lang="en-US" sz="4400" b="1"/>
+              <a:rPr lang="en-US" sz="4400" b="1" i="0"/>
               <a:t>Rust Programming Basics</a:t>
             </a:r>
           </a:p>
@@ -151,21 +151,21 @@
           <a:p>
             <a:pPr lvl="0"/>
             <a:r>
-              <a:rPr lang="en-US" sz="2800"/>
+              <a:rPr lang="en-US" sz="2800" b="0" i="0"/>
               <a:t>Introduction to Rust</a:t>
             </a:r>
           </a:p>
           <a:p>
             <a:pPr lvl="0"/>
             <a:r>
-              <a:rPr lang="en-US" sz="2800"/>
+              <a:rPr lang="en-US" sz="2800" b="0" i="0"/>
               <a:t>Why Rust matters</a:t>
             </a:r>
           </a:p>
           <a:p>
             <a:pPr lvl="0"/>
             <a:r>
-              <a:rPr lang="en-US" sz="2800"/>
+              <a:rPr lang="en-US" sz="2800" b="0" i="0"/>
               <a:t>Course objectives</a:t>
             </a:r>
           </a:p>
@@ -226,7 +226,7 @@
           <a:lstStyle/>
           <a:p>
             <a:r>
-              <a:rPr lang="en-US" sz="4400" b="1"/>
+              <a:rPr lang="en-US" sz="4400" b="1" i="0"/>
               <a:t>Ownership &amp; Borrowing</a:t>
             </a:r>
           </a:p>
@@ -258,21 +258,21 @@
           <a:p>
             <a:pPr lvl="0"/>
             <a:r>
-              <a:rPr lang="en-US" sz="2800"/>
+              <a:rPr lang="en-US" sz="2800" b="0" i="0"/>
               <a:t>Understanding ownership</a:t>
             </a:r>
           </a:p>
           <a:p>
             <a:pPr lvl="0"/>
             <a:r>
-              <a:rPr lang="en-US" sz="2800"/>
+              <a:rPr lang="en-US" sz="2800" b="0" i="0"/>
               <a:t>Borrowing and references</a:t>
             </a:r>
           </a:p>
           <a:p>
             <a:pPr lvl="0"/>
             <a:r>
-              <a:rPr lang="en-US" sz="2800"/>
+              <a:rPr lang="en-US" sz="2800" b="0" i="0"/>
               <a:t>Lifetimes explained</a:t>
             </a:r>
           </a:p>
@@ -333,7 +333,7 @@
           <a:lstStyle/>
           <a:p>
             <a:r>
-              <a:rPr lang="en-US" sz="4400" b="1"/>
+              <a:rPr lang="en-US" sz="4400" b="1" i="0"/>
               <a:t>Error Handling</a:t>
             </a:r>
           </a:p>
@@ -365,21 +365,21 @@
           <a:p>
             <a:pPr lvl="0"/>
             <a:r>
-              <a:rPr lang="en-US" sz="2800"/>
+              <a:rPr lang="en-US" sz="2800" b="0" i="0"/>
               <a:t>Result and Option types</a:t>
             </a:r>
           </a:p>
           <a:p>
             <a:pPr lvl="0"/>
             <a:r>
-              <a:rPr lang="en-US" sz="2800"/>
+              <a:rPr lang="en-US" sz="2800" b="0" i="0"/>
               <a:t>Error propagation</a:t>
             </a:r>
           </a:p>
           <a:p>
             <a:pPr lvl="0"/>
             <a:r>
-              <a:rPr lang="en-US" sz="2800"/>
+              <a:rPr lang="en-US" sz="2800" b="0" i="0"/>
               <a:t>Best practices</a:t>
             </a:r>
           </a:p>
@@ -440,7 +440,7 @@
           <a:lstStyle/>
           <a:p>
             <a:r>
-              <a:rPr lang="en-US" sz="4400" b="1"/>
+              <a:rPr lang="en-US" sz="4400" b="1" i="0"/>
               <a:t>Concurrency</a:t>
             </a:r>
           </a:p>
@@ -472,21 +472,21 @@
           <a:p>
             <a:pPr lvl="0"/>
             <a:r>
-              <a:rPr lang="en-US" sz="2800"/>
+              <a:rPr lang="en-US" sz="2800" b="0" i="0"/>
               <a:t>Threads and channels</a:t>
             </a:r>
           </a:p>
           <a:p>
             <a:pPr lvl="0"/>
             <a:r>
-              <a:rPr lang="en-US" sz="2800"/>
+              <a:rPr lang="en-US" sz="2800" b="0" i="0"/>
               <a:t>Async/await patterns</a:t>
             </a:r>
           </a:p>
           <a:p>
             <a:pPr lvl="0"/>
             <a:r>
-              <a:rPr lang="en-US" sz="2800"/>
+              <a:rPr lang="en-US" sz="2800" b="0" i="0"/>
               <a:t>Practical examples</a:t>
             </a:r>
           </a:p>
@@ -547,7 +547,7 @@
           <a:lstStyle/>
           <a:p>
             <a:r>
-              <a:rPr lang="en-US" sz="4400" b="1"/>
+              <a:rPr lang="en-US" sz="4400" b="1" i="0"/>
               <a:t>Conclusion</a:t>
             </a:r>
           </a:p>
@@ -579,21 +579,21 @@
           <a:p>
             <a:pPr lvl="0"/>
             <a:r>
-              <a:rPr lang="en-US" sz="2800"/>
+              <a:rPr lang="en-US" sz="2800" b="0" i="0"/>
               <a:t>Key takeaways</a:t>
             </a:r>
           </a:p>
           <a:p>
             <a:pPr lvl="0"/>
             <a:r>
-              <a:rPr lang="en-US" sz="2800"/>
+              <a:rPr lang="en-US" sz="2800" b="0" i="0"/>
               <a:t>Resources for learning</a:t>
             </a:r>
           </a:p>
           <a:p>
             <a:pPr lvl="0"/>
             <a:r>
-              <a:rPr lang="en-US" sz="2800"/>
+              <a:rPr lang="en-US" sz="2800" b="0" i="0"/>
               <a:t>Next steps</a:t>
             </a:r>
           </a:p>
